--- a/exercice_circularx.pptx
+++ b/exercice_circularx.pptx
@@ -5,17 +5,16 @@
     <p:sldMasterId id="2147483648" r:id="rId1"/>
   </p:sldMasterIdLst>
   <p:notesMasterIdLst>
-    <p:notesMasterId r:id="rId10"/>
+    <p:notesMasterId r:id="rId9"/>
   </p:notesMasterIdLst>
   <p:sldIdLst>
-    <p:sldId id="256" r:id="rId2"/>
-    <p:sldId id="259" r:id="rId3"/>
-    <p:sldId id="258" r:id="rId4"/>
-    <p:sldId id="260" r:id="rId5"/>
-    <p:sldId id="262" r:id="rId6"/>
-    <p:sldId id="263" r:id="rId7"/>
-    <p:sldId id="264" r:id="rId8"/>
-    <p:sldId id="266" r:id="rId9"/>
+    <p:sldId id="259" r:id="rId2"/>
+    <p:sldId id="258" r:id="rId3"/>
+    <p:sldId id="260" r:id="rId4"/>
+    <p:sldId id="262" r:id="rId5"/>
+    <p:sldId id="263" r:id="rId6"/>
+    <p:sldId id="264" r:id="rId7"/>
+    <p:sldId id="266" r:id="rId8"/>
   </p:sldIdLst>
   <p:sldSz cx="12192000" cy="6858000"/>
   <p:notesSz cx="6858000" cy="9144000"/>
@@ -114,6 +113,11 @@
       </a:defRPr>
     </a:lvl9pPr>
   </p:defaultTextStyle>
+  <p:extLst>
+    <p:ext uri="{EFAFB233-063F-42B5-8137-9DF3F51BA10A}">
+      <p15:sldGuideLst xmlns:p15="http://schemas.microsoft.com/office/powerpoint/2012/main"/>
+    </p:ext>
+  </p:extLst>
 </p:presentation>
 </file>
 
@@ -199,7 +203,7 @@
           <a:p>
             <a:fld id="{2E240CCA-C268-4370-A95F-7221A7A3F204}" type="datetimeFigureOut">
               <a:rPr lang="fr-FR" smtClean="0"/>
-              <a:t>26/06/2023</a:t>
+              <a:t>28/06/2023</a:t>
             </a:fld>
             <a:endParaRPr lang="fr-FR"/>
           </a:p>
@@ -613,7 +617,7 @@
           <a:p>
             <a:fld id="{5EEA7CC3-BBEA-4818-8576-4D6AD65F6474}" type="datetimeFigureOut">
               <a:rPr lang="fr-FR" smtClean="0"/>
-              <a:t>26/06/2023</a:t>
+              <a:t>28/06/2023</a:t>
             </a:fld>
             <a:endParaRPr lang="fr-FR"/>
           </a:p>
@@ -811,7 +815,7 @@
           <a:p>
             <a:fld id="{5EEA7CC3-BBEA-4818-8576-4D6AD65F6474}" type="datetimeFigureOut">
               <a:rPr lang="fr-FR" smtClean="0"/>
-              <a:t>26/06/2023</a:t>
+              <a:t>28/06/2023</a:t>
             </a:fld>
             <a:endParaRPr lang="fr-FR"/>
           </a:p>
@@ -1019,7 +1023,7 @@
           <a:p>
             <a:fld id="{5EEA7CC3-BBEA-4818-8576-4D6AD65F6474}" type="datetimeFigureOut">
               <a:rPr lang="fr-FR" smtClean="0"/>
-              <a:t>26/06/2023</a:t>
+              <a:t>28/06/2023</a:t>
             </a:fld>
             <a:endParaRPr lang="fr-FR"/>
           </a:p>
@@ -1217,7 +1221,7 @@
           <a:p>
             <a:fld id="{5EEA7CC3-BBEA-4818-8576-4D6AD65F6474}" type="datetimeFigureOut">
               <a:rPr lang="fr-FR" smtClean="0"/>
-              <a:t>26/06/2023</a:t>
+              <a:t>28/06/2023</a:t>
             </a:fld>
             <a:endParaRPr lang="fr-FR"/>
           </a:p>
@@ -1492,7 +1496,7 @@
           <a:p>
             <a:fld id="{5EEA7CC3-BBEA-4818-8576-4D6AD65F6474}" type="datetimeFigureOut">
               <a:rPr lang="fr-FR" smtClean="0"/>
-              <a:t>26/06/2023</a:t>
+              <a:t>28/06/2023</a:t>
             </a:fld>
             <a:endParaRPr lang="fr-FR"/>
           </a:p>
@@ -1757,7 +1761,7 @@
           <a:p>
             <a:fld id="{5EEA7CC3-BBEA-4818-8576-4D6AD65F6474}" type="datetimeFigureOut">
               <a:rPr lang="fr-FR" smtClean="0"/>
-              <a:t>26/06/2023</a:t>
+              <a:t>28/06/2023</a:t>
             </a:fld>
             <a:endParaRPr lang="fr-FR"/>
           </a:p>
@@ -2169,7 +2173,7 @@
           <a:p>
             <a:fld id="{5EEA7CC3-BBEA-4818-8576-4D6AD65F6474}" type="datetimeFigureOut">
               <a:rPr lang="fr-FR" smtClean="0"/>
-              <a:t>26/06/2023</a:t>
+              <a:t>28/06/2023</a:t>
             </a:fld>
             <a:endParaRPr lang="fr-FR"/>
           </a:p>
@@ -2310,7 +2314,7 @@
           <a:p>
             <a:fld id="{5EEA7CC3-BBEA-4818-8576-4D6AD65F6474}" type="datetimeFigureOut">
               <a:rPr lang="fr-FR" smtClean="0"/>
-              <a:t>26/06/2023</a:t>
+              <a:t>28/06/2023</a:t>
             </a:fld>
             <a:endParaRPr lang="fr-FR"/>
           </a:p>
@@ -2423,7 +2427,7 @@
           <a:p>
             <a:fld id="{5EEA7CC3-BBEA-4818-8576-4D6AD65F6474}" type="datetimeFigureOut">
               <a:rPr lang="fr-FR" smtClean="0"/>
-              <a:t>26/06/2023</a:t>
+              <a:t>28/06/2023</a:t>
             </a:fld>
             <a:endParaRPr lang="fr-FR"/>
           </a:p>
@@ -2734,7 +2738,7 @@
           <a:p>
             <a:fld id="{5EEA7CC3-BBEA-4818-8576-4D6AD65F6474}" type="datetimeFigureOut">
               <a:rPr lang="fr-FR" smtClean="0"/>
-              <a:t>26/06/2023</a:t>
+              <a:t>28/06/2023</a:t>
             </a:fld>
             <a:endParaRPr lang="fr-FR"/>
           </a:p>
@@ -3022,7 +3026,7 @@
           <a:p>
             <a:fld id="{5EEA7CC3-BBEA-4818-8576-4D6AD65F6474}" type="datetimeFigureOut">
               <a:rPr lang="fr-FR" smtClean="0"/>
-              <a:t>26/06/2023</a:t>
+              <a:t>28/06/2023</a:t>
             </a:fld>
             <a:endParaRPr lang="fr-FR"/>
           </a:p>
@@ -3263,7 +3267,7 @@
           <a:p>
             <a:fld id="{5EEA7CC3-BBEA-4818-8576-4D6AD65F6474}" type="datetimeFigureOut">
               <a:rPr lang="fr-FR" smtClean="0"/>
-              <a:t>26/06/2023</a:t>
+              <a:t>28/06/2023</a:t>
             </a:fld>
             <a:endParaRPr lang="fr-FR"/>
           </a:p>
@@ -3682,86 +3686,6 @@
       </p:grpSpPr>
       <p:sp>
         <p:nvSpPr>
-          <p:cNvPr id="2" name="Titre 1">
-            <a:extLst>
-              <a:ext uri="{FF2B5EF4-FFF2-40B4-BE49-F238E27FC236}">
-                <a16:creationId xmlns:a16="http://schemas.microsoft.com/office/drawing/2014/main" id="{FDE6E25F-1969-37BA-E9E2-C934DEDFB831}"/>
-              </a:ext>
-            </a:extLst>
-          </p:cNvPr>
-          <p:cNvSpPr>
-            <a:spLocks noGrp="1"/>
-          </p:cNvSpPr>
-          <p:nvPr>
-            <p:ph type="ctrTitle"/>
-          </p:nvPr>
-        </p:nvSpPr>
-        <p:spPr/>
-        <p:txBody>
-          <a:bodyPr/>
-          <a:lstStyle/>
-          <a:p>
-            <a:endParaRPr lang="fr-FR"/>
-          </a:p>
-        </p:txBody>
-      </p:sp>
-      <p:sp>
-        <p:nvSpPr>
-          <p:cNvPr id="3" name="Sous-titre 2">
-            <a:extLst>
-              <a:ext uri="{FF2B5EF4-FFF2-40B4-BE49-F238E27FC236}">
-                <a16:creationId xmlns:a16="http://schemas.microsoft.com/office/drawing/2014/main" id="{AA52C20B-5453-83EA-B786-A791798B074A}"/>
-              </a:ext>
-            </a:extLst>
-          </p:cNvPr>
-          <p:cNvSpPr>
-            <a:spLocks noGrp="1"/>
-          </p:cNvSpPr>
-          <p:nvPr>
-            <p:ph type="subTitle" idx="1"/>
-          </p:nvPr>
-        </p:nvSpPr>
-        <p:spPr/>
-        <p:txBody>
-          <a:bodyPr/>
-          <a:lstStyle/>
-          <a:p>
-            <a:endParaRPr lang="fr-FR"/>
-          </a:p>
-        </p:txBody>
-      </p:sp>
-    </p:spTree>
-    <p:extLst>
-      <p:ext uri="{BB962C8B-B14F-4D97-AF65-F5344CB8AC3E}">
-        <p14:creationId xmlns:p14="http://schemas.microsoft.com/office/powerpoint/2010/main" val="4219028703"/>
-      </p:ext>
-    </p:extLst>
-  </p:cSld>
-  <p:clrMapOvr>
-    <a:masterClrMapping/>
-  </p:clrMapOvr>
-</p:sld>
-</file>
-
-<file path=ppt/slides/slide2.xml><?xml version="1.0" encoding="utf-8"?>
-<p:sld xmlns:a="http://schemas.openxmlformats.org/drawingml/2006/main" xmlns:r="http://schemas.openxmlformats.org/officeDocument/2006/relationships" xmlns:p="http://schemas.openxmlformats.org/presentationml/2006/main">
-  <p:cSld>
-    <p:spTree>
-      <p:nvGrpSpPr>
-        <p:cNvPr id="1" name=""/>
-        <p:cNvGrpSpPr/>
-        <p:nvPr/>
-      </p:nvGrpSpPr>
-      <p:grpSpPr>
-        <a:xfrm>
-          <a:off x="0" y="0"/>
-          <a:ext cx="0" cy="0"/>
-          <a:chOff x="0" y="0"/>
-          <a:chExt cx="0" cy="0"/>
-        </a:xfrm>
-      </p:grpSpPr>
-      <p:sp>
-        <p:nvSpPr>
           <p:cNvPr id="5" name="Rectangle : coins arrondis 4">
             <a:extLst>
               <a:ext uri="{FF2B5EF4-FFF2-40B4-BE49-F238E27FC236}">
@@ -4914,7 +4838,7 @@
 </p:sld>
 </file>
 
-<file path=ppt/slides/slide3.xml><?xml version="1.0" encoding="utf-8"?>
+<file path=ppt/slides/slide2.xml><?xml version="1.0" encoding="utf-8"?>
 <p:sld xmlns:a="http://schemas.openxmlformats.org/drawingml/2006/main" xmlns:r="http://schemas.openxmlformats.org/officeDocument/2006/relationships" xmlns:p="http://schemas.openxmlformats.org/presentationml/2006/main">
   <p:cSld>
     <p:spTree>
@@ -8091,7 +8015,7 @@
 </p:sld>
 </file>
 
-<file path=ppt/slides/slide4.xml><?xml version="1.0" encoding="utf-8"?>
+<file path=ppt/slides/slide3.xml><?xml version="1.0" encoding="utf-8"?>
 <p:sld xmlns:a="http://schemas.openxmlformats.org/drawingml/2006/main" xmlns:r="http://schemas.openxmlformats.org/officeDocument/2006/relationships" xmlns:p="http://schemas.openxmlformats.org/presentationml/2006/main">
   <p:cSld>
     <p:spTree>
@@ -8919,7 +8843,7 @@
 </p:sld>
 </file>
 
-<file path=ppt/slides/slide5.xml><?xml version="1.0" encoding="utf-8"?>
+<file path=ppt/slides/slide4.xml><?xml version="1.0" encoding="utf-8"?>
 <p:sld xmlns:a="http://schemas.openxmlformats.org/drawingml/2006/main" xmlns:r="http://schemas.openxmlformats.org/officeDocument/2006/relationships" xmlns:p="http://schemas.openxmlformats.org/presentationml/2006/main">
   <p:cSld>
     <p:spTree>
@@ -11098,7 +11022,7 @@
 </p:sld>
 </file>
 
-<file path=ppt/slides/slide6.xml><?xml version="1.0" encoding="utf-8"?>
+<file path=ppt/slides/slide5.xml><?xml version="1.0" encoding="utf-8"?>
 <p:sld xmlns:a="http://schemas.openxmlformats.org/drawingml/2006/main" xmlns:r="http://schemas.openxmlformats.org/officeDocument/2006/relationships" xmlns:p="http://schemas.openxmlformats.org/presentationml/2006/main">
   <p:cSld>
     <p:spTree>
@@ -12172,7 +12096,7 @@
 </p:sld>
 </file>
 
-<file path=ppt/slides/slide7.xml><?xml version="1.0" encoding="utf-8"?>
+<file path=ppt/slides/slide6.xml><?xml version="1.0" encoding="utf-8"?>
 <p:sld xmlns:a="http://schemas.openxmlformats.org/drawingml/2006/main" xmlns:r="http://schemas.openxmlformats.org/officeDocument/2006/relationships" xmlns:p="http://schemas.openxmlformats.org/presentationml/2006/main">
   <p:cSld>
     <p:spTree>
@@ -12375,14 +12299,14 @@
           <p:nvPr>
             <p:extLst>
               <p:ext uri="{D42A27DB-BD31-4B8C-83A1-F6EECF244321}">
-                <p14:modId xmlns:p14="http://schemas.microsoft.com/office/powerpoint/2010/main" val="1113729820"/>
+                <p14:modId xmlns:p14="http://schemas.microsoft.com/office/powerpoint/2010/main" val="937115760"/>
               </p:ext>
             </p:extLst>
           </p:nvPr>
         </p:nvGraphicFramePr>
         <p:xfrm>
-          <a:off x="3353421" y="2631007"/>
-          <a:ext cx="1753838" cy="1489340"/>
+          <a:off x="3353421" y="2107213"/>
+          <a:ext cx="1753838" cy="2066370"/>
         </p:xfrm>
         <a:graphic>
           <a:graphicData uri="http://schemas.openxmlformats.org/drawingml/2006/table">
@@ -12445,10 +12369,10 @@
                     <a:lstStyle/>
                     <a:p>
                       <a:r>
-                        <a:rPr lang="fr-FR" sz="1000" dirty="0" err="1"/>
+                        <a:rPr lang="fr-FR" sz="1000" u="sng" dirty="0" err="1"/>
                         <a:t>product_id</a:t>
                       </a:r>
-                      <a:endParaRPr lang="fr-FR" sz="1000" dirty="0"/>
+                      <a:endParaRPr lang="fr-FR" sz="1000" u="sng" dirty="0"/>
                     </a:p>
                   </a:txBody>
                   <a:tcPr anchor="ctr"/>
@@ -12468,7 +12392,76 @@
                 </a:tc>
                 <a:extLst>
                   <a:ext uri="{0D108BD9-81ED-4DB2-BD59-A6C34878D82A}">
+                    <a16:rowId xmlns:a16="http://schemas.microsoft.com/office/drawing/2014/main" val="1578319432"/>
+                  </a:ext>
+                </a:extLst>
+              </a:tr>
+              <a:tr h="288515">
+                <a:tc>
+                  <a:txBody>
+                    <a:bodyPr/>
+                    <a:lstStyle/>
+                    <a:p>
+                      <a:r>
+                        <a:rPr lang="fr-FR" sz="1000" dirty="0" err="1"/>
+                        <a:t>brand_id</a:t>
+                      </a:r>
+                      <a:endParaRPr lang="fr-FR" sz="1000" dirty="0"/>
+                    </a:p>
+                  </a:txBody>
+                  <a:tcPr anchor="ctr"/>
+                </a:tc>
+                <a:tc>
+                  <a:txBody>
+                    <a:bodyPr/>
+                    <a:lstStyle/>
+                    <a:p>
+                      <a:r>
+                        <a:rPr lang="fr-FR" sz="1000" dirty="0"/>
+                        <a:t>Int</a:t>
+                      </a:r>
+                    </a:p>
+                  </a:txBody>
+                  <a:tcPr anchor="ctr"/>
+                </a:tc>
+                <a:extLst>
+                  <a:ext uri="{0D108BD9-81ED-4DB2-BD59-A6C34878D82A}">
                     <a16:rowId xmlns:a16="http://schemas.microsoft.com/office/drawing/2014/main" val="1094237496"/>
+                  </a:ext>
+                </a:extLst>
+              </a:tr>
+              <a:tr h="288515">
+                <a:tc>
+                  <a:txBody>
+                    <a:bodyPr/>
+                    <a:lstStyle/>
+                    <a:p>
+                      <a:r>
+                        <a:rPr lang="fr-FR" sz="1000" dirty="0" err="1"/>
+                        <a:t>category_id</a:t>
+                      </a:r>
+                      <a:endParaRPr lang="fr-FR" sz="1000" dirty="0"/>
+                    </a:p>
+                  </a:txBody>
+                  <a:tcPr anchor="ctr"/>
+                </a:tc>
+                <a:tc>
+                  <a:txBody>
+                    <a:bodyPr/>
+                    <a:lstStyle/>
+                    <a:p>
+                      <a:r>
+                        <a:rPr lang="fr-FR" sz="1000" dirty="0" err="1"/>
+                        <a:t>int</a:t>
+                      </a:r>
+                      <a:endParaRPr lang="fr-FR" sz="1000" dirty="0"/>
+                    </a:p>
+                  </a:txBody>
+                  <a:tcPr anchor="ctr"/>
+                </a:tc>
+                <a:extLst>
+                  <a:ext uri="{0D108BD9-81ED-4DB2-BD59-A6C34878D82A}">
+                    <a16:rowId xmlns:a16="http://schemas.microsoft.com/office/drawing/2014/main" val="375727956"/>
                   </a:ext>
                 </a:extLst>
               </a:tr>
@@ -12595,7 +12588,7 @@
           <p:nvPr>
             <p:extLst>
               <p:ext uri="{D42A27DB-BD31-4B8C-83A1-F6EECF244321}">
-                <p14:modId xmlns:p14="http://schemas.microsoft.com/office/powerpoint/2010/main" val="1686540130"/>
+                <p14:modId xmlns:p14="http://schemas.microsoft.com/office/powerpoint/2010/main" val="695363650"/>
               </p:ext>
             </p:extLst>
           </p:nvPr>
@@ -12665,10 +12658,10 @@
                     <a:lstStyle/>
                     <a:p>
                       <a:r>
-                        <a:rPr lang="fr-FR" sz="1000" dirty="0" err="1"/>
+                        <a:rPr lang="fr-FR" sz="1000" u="sng" dirty="0" err="1"/>
                         <a:t>sale_id</a:t>
                       </a:r>
-                      <a:endParaRPr lang="fr-FR" sz="1000" dirty="0"/>
+                      <a:endParaRPr lang="fr-FR" sz="1000" u="sng" dirty="0"/>
                     </a:p>
                   </a:txBody>
                   <a:tcPr anchor="ctr"/>
@@ -12979,14 +12972,14 @@
           <p:nvPr>
             <p:extLst>
               <p:ext uri="{D42A27DB-BD31-4B8C-83A1-F6EECF244321}">
-                <p14:modId xmlns:p14="http://schemas.microsoft.com/office/powerpoint/2010/main" val="3182498532"/>
+                <p14:modId xmlns:p14="http://schemas.microsoft.com/office/powerpoint/2010/main" val="1211811604"/>
               </p:ext>
             </p:extLst>
           </p:nvPr>
         </p:nvGraphicFramePr>
         <p:xfrm>
           <a:off x="5849900" y="2259679"/>
-          <a:ext cx="1333500" cy="1145622"/>
+          <a:ext cx="1333500" cy="875508"/>
         </p:xfrm>
         <a:graphic>
           <a:graphicData uri="http://schemas.openxmlformats.org/drawingml/2006/table">
@@ -13048,10 +13041,10 @@
                     <a:lstStyle/>
                     <a:p>
                       <a:r>
-                        <a:rPr lang="fr-FR" sz="1000" dirty="0" err="1"/>
+                        <a:rPr lang="fr-FR" sz="1000" u="sng" dirty="0" err="1"/>
                         <a:t>brand_id</a:t>
                       </a:r>
-                      <a:endParaRPr lang="fr-FR" sz="1000" dirty="0"/>
+                      <a:endParaRPr lang="fr-FR" sz="1000" u="sng" dirty="0"/>
                     </a:p>
                   </a:txBody>
                   <a:tcPr anchor="ctr"/>
@@ -13100,57 +13093,6 @@
                       </a:pPr>
                       <a:r>
                         <a:rPr lang="fr-FR" sz="1000" dirty="0" err="1"/>
-                        <a:t>product_id</a:t>
-                      </a:r>
-                      <a:endParaRPr lang="fr-FR" sz="1000" dirty="0"/>
-                    </a:p>
-                  </a:txBody>
-                  <a:tcPr anchor="ctr"/>
-                </a:tc>
-                <a:tc>
-                  <a:txBody>
-                    <a:bodyPr/>
-                    <a:lstStyle/>
-                    <a:p>
-                      <a:r>
-                        <a:rPr lang="fr-FR" sz="1000" dirty="0"/>
-                        <a:t>Int</a:t>
-                      </a:r>
-                    </a:p>
-                  </a:txBody>
-                  <a:tcPr anchor="ctr"/>
-                </a:tc>
-                <a:extLst>
-                  <a:ext uri="{0D108BD9-81ED-4DB2-BD59-A6C34878D82A}">
-                    <a16:rowId xmlns:a16="http://schemas.microsoft.com/office/drawing/2014/main" val="3534758075"/>
-                  </a:ext>
-                </a:extLst>
-              </a:tr>
-              <a:tr h="270114">
-                <a:tc>
-                  <a:txBody>
-                    <a:bodyPr/>
-                    <a:lstStyle/>
-                    <a:p>
-                      <a:pPr marL="0" marR="0" lvl="0" indent="0" algn="l" defTabSz="914400" rtl="0" eaLnBrk="1" fontAlgn="auto" latinLnBrk="0" hangingPunct="1">
-                        <a:lnSpc>
-                          <a:spcPct val="100000"/>
-                        </a:lnSpc>
-                        <a:spcBef>
-                          <a:spcPts val="0"/>
-                        </a:spcBef>
-                        <a:spcAft>
-                          <a:spcPts val="0"/>
-                        </a:spcAft>
-                        <a:buClrTx/>
-                        <a:buSzTx/>
-                        <a:buFontTx/>
-                        <a:buNone/>
-                        <a:tabLst/>
-                        <a:defRPr/>
-                      </a:pPr>
-                      <a:r>
-                        <a:rPr lang="fr-FR" sz="1000" dirty="0" err="1"/>
                         <a:t>brand_label</a:t>
                       </a:r>
                       <a:endParaRPr lang="fr-FR" sz="1000" dirty="0"/>
@@ -13197,14 +13139,14 @@
           <p:nvPr>
             <p:extLst>
               <p:ext uri="{D42A27DB-BD31-4B8C-83A1-F6EECF244321}">
-                <p14:modId xmlns:p14="http://schemas.microsoft.com/office/powerpoint/2010/main" val="4065814032"/>
+                <p14:modId xmlns:p14="http://schemas.microsoft.com/office/powerpoint/2010/main" val="1257131842"/>
               </p:ext>
             </p:extLst>
           </p:nvPr>
         </p:nvGraphicFramePr>
         <p:xfrm>
-          <a:off x="5849899" y="3805289"/>
-          <a:ext cx="1666023" cy="1415736"/>
+          <a:off x="7658379" y="3712710"/>
+          <a:ext cx="1666023" cy="1145622"/>
         </p:xfrm>
         <a:graphic>
           <a:graphicData uri="http://schemas.openxmlformats.org/drawingml/2006/table">
@@ -13267,10 +13209,10 @@
                     <a:lstStyle/>
                     <a:p>
                       <a:r>
-                        <a:rPr lang="fr-FR" sz="1000" dirty="0" err="1"/>
+                        <a:rPr lang="fr-FR" sz="1000" u="sng" dirty="0" err="1"/>
                         <a:t>feature_id</a:t>
                       </a:r>
-                      <a:endParaRPr lang="fr-FR" sz="1000" dirty="0"/>
+                      <a:endParaRPr lang="fr-FR" sz="1000" u="sng" dirty="0"/>
                     </a:p>
                   </a:txBody>
                   <a:tcPr anchor="ctr"/>
@@ -13319,7 +13261,7 @@
                       </a:pPr>
                       <a:r>
                         <a:rPr lang="fr-FR" sz="1000" dirty="0" err="1"/>
-                        <a:t>product_id</a:t>
+                        <a:t>feature_label</a:t>
                       </a:r>
                       <a:endParaRPr lang="fr-FR" sz="1000" dirty="0"/>
                     </a:p>
@@ -13332,16 +13274,17 @@
                     <a:lstStyle/>
                     <a:p>
                       <a:r>
-                        <a:rPr lang="fr-FR" sz="1000" dirty="0"/>
-                        <a:t>Int</a:t>
-                      </a:r>
+                        <a:rPr lang="fr-FR" sz="1000" dirty="0" err="1"/>
+                        <a:t>Str</a:t>
+                      </a:r>
+                      <a:endParaRPr lang="fr-FR" sz="1000" dirty="0"/>
                     </a:p>
                   </a:txBody>
                   <a:tcPr anchor="ctr"/>
                 </a:tc>
                 <a:extLst>
                   <a:ext uri="{0D108BD9-81ED-4DB2-BD59-A6C34878D82A}">
-                    <a16:rowId xmlns:a16="http://schemas.microsoft.com/office/drawing/2014/main" val="3534758075"/>
+                    <a16:rowId xmlns:a16="http://schemas.microsoft.com/office/drawing/2014/main" val="1872997414"/>
                   </a:ext>
                 </a:extLst>
               </a:tr>
@@ -13370,59 +13313,7 @@
                       </a:pPr>
                       <a:r>
                         <a:rPr lang="fr-FR" sz="1000" dirty="0" err="1"/>
-                        <a:t>feature_label</a:t>
-                      </a:r>
-                      <a:endParaRPr lang="fr-FR" sz="1000" dirty="0"/>
-                    </a:p>
-                  </a:txBody>
-                  <a:tcPr anchor="ctr"/>
-                </a:tc>
-                <a:tc>
-                  <a:txBody>
-                    <a:bodyPr/>
-                    <a:lstStyle/>
-                    <a:p>
-                      <a:r>
-                        <a:rPr lang="fr-FR" sz="1000" dirty="0" err="1"/>
-                        <a:t>Str</a:t>
-                      </a:r>
-                      <a:endParaRPr lang="fr-FR" sz="1000" dirty="0"/>
-                    </a:p>
-                  </a:txBody>
-                  <a:tcPr anchor="ctr"/>
-                </a:tc>
-                <a:extLst>
-                  <a:ext uri="{0D108BD9-81ED-4DB2-BD59-A6C34878D82A}">
-                    <a16:rowId xmlns:a16="http://schemas.microsoft.com/office/drawing/2014/main" val="1872997414"/>
-                  </a:ext>
-                </a:extLst>
-              </a:tr>
-              <a:tr h="270114">
-                <a:tc>
-                  <a:txBody>
-                    <a:bodyPr/>
-                    <a:lstStyle/>
-                    <a:p>
-                      <a:pPr marL="0" marR="0" lvl="0" indent="0" algn="l" defTabSz="914400" rtl="0" eaLnBrk="1" fontAlgn="auto" latinLnBrk="0" hangingPunct="1">
-                        <a:lnSpc>
-                          <a:spcPct val="100000"/>
-                        </a:lnSpc>
-                        <a:spcBef>
-                          <a:spcPts val="0"/>
-                        </a:spcBef>
-                        <a:spcAft>
-                          <a:spcPts val="0"/>
-                        </a:spcAft>
-                        <a:buClrTx/>
-                        <a:buSzTx/>
-                        <a:buFontTx/>
-                        <a:buNone/>
-                        <a:tabLst/>
-                        <a:defRPr/>
-                      </a:pPr>
-                      <a:r>
-                        <a:rPr lang="fr-FR" sz="1000" dirty="0" err="1"/>
-                        <a:t>feature_category</a:t>
+                        <a:t>feature_type</a:t>
                       </a:r>
                       <a:endParaRPr lang="fr-FR" sz="1000" dirty="0"/>
                     </a:p>
@@ -13471,8 +13362,8 @@
         </p:nvCxnSpPr>
         <p:spPr>
           <a:xfrm flipV="1">
-            <a:off x="2512431" y="3375677"/>
-            <a:ext cx="840990" cy="144258"/>
+            <a:off x="2512431" y="3140398"/>
+            <a:ext cx="840990" cy="379537"/>
           </a:xfrm>
           <a:prstGeom prst="line">
             <a:avLst/>
@@ -13511,8 +13402,8 @@
         </p:nvCxnSpPr>
         <p:spPr>
           <a:xfrm flipV="1">
-            <a:off x="5107259" y="2832490"/>
-            <a:ext cx="742641" cy="543187"/>
+            <a:off x="5107259" y="2697433"/>
+            <a:ext cx="742641" cy="442965"/>
           </a:xfrm>
           <a:prstGeom prst="line">
             <a:avLst/>
@@ -13544,15 +13435,15 @@
           </p:cNvPr>
           <p:cNvCxnSpPr>
             <a:cxnSpLocks/>
-            <a:stCxn id="2" idx="3"/>
+            <a:stCxn id="10" idx="3"/>
             <a:endCxn id="14" idx="1"/>
           </p:cNvCxnSpPr>
           <p:nvPr/>
         </p:nvCxnSpPr>
         <p:spPr>
           <a:xfrm>
-            <a:off x="5107259" y="3375677"/>
-            <a:ext cx="742640" cy="1137480"/>
+            <a:off x="7067250" y="3920302"/>
+            <a:ext cx="591129" cy="365219"/>
           </a:xfrm>
           <a:prstGeom prst="line">
             <a:avLst/>
@@ -13587,7 +13478,7 @@
         </p:nvSpPr>
         <p:spPr>
           <a:xfrm>
-            <a:off x="2987679" y="3127194"/>
+            <a:off x="2987679" y="2914129"/>
             <a:ext cx="450846" cy="276999"/>
           </a:xfrm>
           <a:prstGeom prst="rect">
@@ -13624,7 +13515,7 @@
         </p:nvSpPr>
         <p:spPr>
           <a:xfrm>
-            <a:off x="2432905" y="3241493"/>
+            <a:off x="2432905" y="3134961"/>
             <a:ext cx="450846" cy="276999"/>
           </a:xfrm>
           <a:prstGeom prst="rect">
@@ -13661,7 +13552,7 @@
         </p:nvSpPr>
         <p:spPr>
           <a:xfrm>
-            <a:off x="5037794" y="2938652"/>
+            <a:off x="5037794" y="2761098"/>
             <a:ext cx="450846" cy="276999"/>
           </a:xfrm>
           <a:prstGeom prst="rect">
@@ -13678,7 +13569,7 @@
             <a:pPr algn="ctr"/>
             <a:r>
               <a:rPr lang="fr-FR" sz="1200" dirty="0"/>
-              <a:t>1</a:t>
+              <a:t>n</a:t>
             </a:r>
             <a:endParaRPr lang="fr-FR" sz="1400" dirty="0"/>
           </a:p>
@@ -13698,7 +13589,7 @@
         </p:nvSpPr>
         <p:spPr>
           <a:xfrm>
-            <a:off x="5494079" y="2613649"/>
+            <a:off x="5494079" y="2498239"/>
             <a:ext cx="450846" cy="276999"/>
           </a:xfrm>
           <a:prstGeom prst="rect">
@@ -13715,81 +13606,7 @@
             <a:pPr algn="ctr"/>
             <a:r>
               <a:rPr lang="fr-FR" sz="1200" dirty="0"/>
-              <a:t>n</a:t>
-            </a:r>
-            <a:endParaRPr lang="fr-FR" sz="1400" dirty="0"/>
-          </a:p>
-        </p:txBody>
-      </p:sp>
-      <p:sp>
-        <p:nvSpPr>
-          <p:cNvPr id="33" name="ZoneTexte 32">
-            <a:extLst>
-              <a:ext uri="{FF2B5EF4-FFF2-40B4-BE49-F238E27FC236}">
-                <a16:creationId xmlns:a16="http://schemas.microsoft.com/office/drawing/2014/main" id="{1C41D5EF-7E1F-B49C-7DCD-9FA0C1D8A5EA}"/>
-              </a:ext>
-            </a:extLst>
-          </p:cNvPr>
-          <p:cNvSpPr txBox="1"/>
-          <p:nvPr/>
-        </p:nvSpPr>
-        <p:spPr>
-          <a:xfrm>
-            <a:off x="4997460" y="3806524"/>
-            <a:ext cx="450846" cy="276999"/>
-          </a:xfrm>
-          <a:prstGeom prst="rect">
-            <a:avLst/>
-          </a:prstGeom>
-          <a:noFill/>
-        </p:spPr>
-        <p:txBody>
-          <a:bodyPr wrap="square">
-            <a:spAutoFit/>
-          </a:bodyPr>
-          <a:lstStyle/>
-          <a:p>
-            <a:pPr algn="ctr"/>
-            <a:r>
-              <a:rPr lang="fr-FR" sz="1200" dirty="0"/>
-              <a:t>n</a:t>
-            </a:r>
-            <a:endParaRPr lang="fr-FR" sz="1400" dirty="0"/>
-          </a:p>
-        </p:txBody>
-      </p:sp>
-      <p:sp>
-        <p:nvSpPr>
-          <p:cNvPr id="34" name="ZoneTexte 33">
-            <a:extLst>
-              <a:ext uri="{FF2B5EF4-FFF2-40B4-BE49-F238E27FC236}">
-                <a16:creationId xmlns:a16="http://schemas.microsoft.com/office/drawing/2014/main" id="{823FAECF-9994-19E6-032C-614CBC5119CE}"/>
-              </a:ext>
-            </a:extLst>
-          </p:cNvPr>
-          <p:cNvSpPr txBox="1"/>
-          <p:nvPr/>
-        </p:nvSpPr>
-        <p:spPr>
-          <a:xfrm>
-            <a:off x="5408961" y="4474452"/>
-            <a:ext cx="450846" cy="276999"/>
-          </a:xfrm>
-          <a:prstGeom prst="rect">
-            <a:avLst/>
-          </a:prstGeom>
-          <a:noFill/>
-        </p:spPr>
-        <p:txBody>
-          <a:bodyPr wrap="square">
-            <a:spAutoFit/>
-          </a:bodyPr>
-          <a:lstStyle/>
-          <a:p>
-            <a:pPr algn="ctr"/>
-            <a:r>
-              <a:rPr lang="fr-FR" sz="1200" dirty="0"/>
-              <a:t>n</a:t>
+              <a:t>1</a:t>
             </a:r>
             <a:endParaRPr lang="fr-FR" sz="1400" dirty="0"/>
           </a:p>
@@ -13918,14 +13735,14 @@
           <p:nvPr>
             <p:extLst>
               <p:ext uri="{D42A27DB-BD31-4B8C-83A1-F6EECF244321}">
-                <p14:modId xmlns:p14="http://schemas.microsoft.com/office/powerpoint/2010/main" val="89010590"/>
+                <p14:modId xmlns:p14="http://schemas.microsoft.com/office/powerpoint/2010/main" val="2995839943"/>
               </p:ext>
             </p:extLst>
           </p:nvPr>
         </p:nvGraphicFramePr>
         <p:xfrm>
           <a:off x="3331437" y="4851544"/>
-          <a:ext cx="1666023" cy="1145622"/>
+          <a:ext cx="1666023" cy="875508"/>
         </p:xfrm>
         <a:graphic>
           <a:graphicData uri="http://schemas.openxmlformats.org/drawingml/2006/table">
@@ -13988,10 +13805,10 @@
                     <a:lstStyle/>
                     <a:p>
                       <a:r>
-                        <a:rPr lang="fr-FR" sz="1000" dirty="0" err="1"/>
+                        <a:rPr lang="fr-FR" sz="1000" u="sng" dirty="0" err="1"/>
                         <a:t>category_id</a:t>
                       </a:r>
-                      <a:endParaRPr lang="fr-FR" sz="1000" dirty="0"/>
+                      <a:endParaRPr lang="fr-FR" sz="1000" u="sng" dirty="0"/>
                     </a:p>
                   </a:txBody>
                   <a:tcPr anchor="ctr"/>
@@ -14040,57 +13857,6 @@
                       </a:pPr>
                       <a:r>
                         <a:rPr lang="fr-FR" sz="1000" dirty="0" err="1"/>
-                        <a:t>product_id</a:t>
-                      </a:r>
-                      <a:endParaRPr lang="fr-FR" sz="1000" dirty="0"/>
-                    </a:p>
-                  </a:txBody>
-                  <a:tcPr anchor="ctr"/>
-                </a:tc>
-                <a:tc>
-                  <a:txBody>
-                    <a:bodyPr/>
-                    <a:lstStyle/>
-                    <a:p>
-                      <a:r>
-                        <a:rPr lang="fr-FR" sz="1000" dirty="0"/>
-                        <a:t>Int</a:t>
-                      </a:r>
-                    </a:p>
-                  </a:txBody>
-                  <a:tcPr anchor="ctr"/>
-                </a:tc>
-                <a:extLst>
-                  <a:ext uri="{0D108BD9-81ED-4DB2-BD59-A6C34878D82A}">
-                    <a16:rowId xmlns:a16="http://schemas.microsoft.com/office/drawing/2014/main" val="3534758075"/>
-                  </a:ext>
-                </a:extLst>
-              </a:tr>
-              <a:tr h="270114">
-                <a:tc>
-                  <a:txBody>
-                    <a:bodyPr/>
-                    <a:lstStyle/>
-                    <a:p>
-                      <a:pPr marL="0" marR="0" lvl="0" indent="0" algn="l" defTabSz="914400" rtl="0" eaLnBrk="1" fontAlgn="auto" latinLnBrk="0" hangingPunct="1">
-                        <a:lnSpc>
-                          <a:spcPct val="100000"/>
-                        </a:lnSpc>
-                        <a:spcBef>
-                          <a:spcPts val="0"/>
-                        </a:spcBef>
-                        <a:spcAft>
-                          <a:spcPts val="0"/>
-                        </a:spcAft>
-                        <a:buClrTx/>
-                        <a:buSzTx/>
-                        <a:buFontTx/>
-                        <a:buNone/>
-                        <a:tabLst/>
-                        <a:defRPr/>
-                      </a:pPr>
-                      <a:r>
-                        <a:rPr lang="fr-FR" sz="1000" dirty="0" err="1"/>
                         <a:t>category_label</a:t>
                       </a:r>
                       <a:endParaRPr lang="fr-FR" sz="1000" dirty="0"/>
@@ -14140,8 +13906,8 @@
         </p:nvCxnSpPr>
         <p:spPr>
           <a:xfrm flipH="1">
-            <a:off x="4164448" y="4120347"/>
-            <a:ext cx="65892" cy="731197"/>
+            <a:off x="4164448" y="4173583"/>
+            <a:ext cx="65892" cy="677961"/>
           </a:xfrm>
           <a:prstGeom prst="line">
             <a:avLst/>
@@ -14193,7 +13959,7 @@
             <a:pPr algn="ctr"/>
             <a:r>
               <a:rPr lang="fr-FR" sz="1200" dirty="0"/>
-              <a:t>1</a:t>
+              <a:t>n</a:t>
             </a:r>
             <a:endParaRPr lang="fr-FR" sz="1400" dirty="0"/>
           </a:p>
@@ -14230,12 +13996,219 @@
             <a:pPr algn="ctr"/>
             <a:r>
               <a:rPr lang="fr-FR" sz="1200" dirty="0"/>
-              <a:t>n</a:t>
+              <a:t>1</a:t>
             </a:r>
             <a:endParaRPr lang="fr-FR" sz="1400" dirty="0"/>
           </a:p>
         </p:txBody>
       </p:sp>
+      <p:graphicFrame>
+        <p:nvGraphicFramePr>
+          <p:cNvPr id="10" name="Tableau 2">
+            <a:extLst>
+              <a:ext uri="{FF2B5EF4-FFF2-40B4-BE49-F238E27FC236}">
+                <a16:creationId xmlns:a16="http://schemas.microsoft.com/office/drawing/2014/main" id="{2CB1DEA8-52F9-B19B-42BC-DD013E734828}"/>
+              </a:ext>
+            </a:extLst>
+          </p:cNvPr>
+          <p:cNvGraphicFramePr>
+            <a:graphicFrameLocks noGrp="1"/>
+          </p:cNvGraphicFramePr>
+          <p:nvPr>
+            <p:extLst>
+              <p:ext uri="{D42A27DB-BD31-4B8C-83A1-F6EECF244321}">
+                <p14:modId xmlns:p14="http://schemas.microsoft.com/office/powerpoint/2010/main" val="1795844325"/>
+              </p:ext>
+            </p:extLst>
+          </p:nvPr>
+        </p:nvGraphicFramePr>
+        <p:xfrm>
+          <a:off x="5881734" y="3493768"/>
+          <a:ext cx="1185516" cy="853068"/>
+        </p:xfrm>
+        <a:graphic>
+          <a:graphicData uri="http://schemas.openxmlformats.org/drawingml/2006/table">
+            <a:tbl>
+              <a:tblPr firstRow="1" bandRow="1">
+                <a:tableStyleId>{5C22544A-7EE6-4342-B048-85BDC9FD1C3A}</a:tableStyleId>
+              </a:tblPr>
+              <a:tblGrid>
+                <a:gridCol w="792423">
+                  <a:extLst>
+                    <a:ext uri="{9D8B030D-6E8A-4147-A177-3AD203B41FA5}">
+                      <a16:colId xmlns:a16="http://schemas.microsoft.com/office/drawing/2014/main" val="758336581"/>
+                    </a:ext>
+                  </a:extLst>
+                </a:gridCol>
+                <a:gridCol w="393093">
+                  <a:extLst>
+                    <a:ext uri="{9D8B030D-6E8A-4147-A177-3AD203B41FA5}">
+                      <a16:colId xmlns:a16="http://schemas.microsoft.com/office/drawing/2014/main" val="3972169805"/>
+                    </a:ext>
+                  </a:extLst>
+                </a:gridCol>
+              </a:tblGrid>
+              <a:tr h="312840">
+                <a:tc gridSpan="2">
+                  <a:txBody>
+                    <a:bodyPr/>
+                    <a:lstStyle/>
+                    <a:p>
+                      <a:pPr algn="ctr"/>
+                      <a:r>
+                        <a:rPr lang="fr-FR" sz="1400" dirty="0" err="1"/>
+                        <a:t>prod_feat</a:t>
+                      </a:r>
+                      <a:endParaRPr lang="fr-FR" sz="1600" dirty="0"/>
+                    </a:p>
+                  </a:txBody>
+                  <a:tcPr anchor="ctr"/>
+                </a:tc>
+                <a:tc hMerge="1">
+                  <a:txBody>
+                    <a:bodyPr/>
+                    <a:lstStyle/>
+                    <a:p>
+                      <a:endParaRPr lang="fr-FR" dirty="0"/>
+                    </a:p>
+                  </a:txBody>
+                  <a:tcPr/>
+                </a:tc>
+                <a:extLst>
+                  <a:ext uri="{0D108BD9-81ED-4DB2-BD59-A6C34878D82A}">
+                    <a16:rowId xmlns:a16="http://schemas.microsoft.com/office/drawing/2014/main" val="3367837837"/>
+                  </a:ext>
+                </a:extLst>
+              </a:tr>
+              <a:tr h="270114">
+                <a:tc>
+                  <a:txBody>
+                    <a:bodyPr/>
+                    <a:lstStyle/>
+                    <a:p>
+                      <a:r>
+                        <a:rPr lang="fr-FR" sz="1000" dirty="0" err="1"/>
+                        <a:t>feature_id</a:t>
+                      </a:r>
+                      <a:endParaRPr lang="fr-FR" sz="1000" dirty="0"/>
+                    </a:p>
+                  </a:txBody>
+                  <a:tcPr anchor="ctr"/>
+                </a:tc>
+                <a:tc>
+                  <a:txBody>
+                    <a:bodyPr/>
+                    <a:lstStyle/>
+                    <a:p>
+                      <a:r>
+                        <a:rPr lang="fr-FR" sz="1000" dirty="0"/>
+                        <a:t>Int</a:t>
+                      </a:r>
+                    </a:p>
+                  </a:txBody>
+                  <a:tcPr anchor="ctr"/>
+                </a:tc>
+                <a:extLst>
+                  <a:ext uri="{0D108BD9-81ED-4DB2-BD59-A6C34878D82A}">
+                    <a16:rowId xmlns:a16="http://schemas.microsoft.com/office/drawing/2014/main" val="1094237496"/>
+                  </a:ext>
+                </a:extLst>
+              </a:tr>
+              <a:tr h="270114">
+                <a:tc>
+                  <a:txBody>
+                    <a:bodyPr/>
+                    <a:lstStyle/>
+                    <a:p>
+                      <a:pPr marL="0" marR="0" lvl="0" indent="0" algn="l" defTabSz="914400" rtl="0" eaLnBrk="1" fontAlgn="auto" latinLnBrk="0" hangingPunct="1">
+                        <a:lnSpc>
+                          <a:spcPct val="100000"/>
+                        </a:lnSpc>
+                        <a:spcBef>
+                          <a:spcPts val="0"/>
+                        </a:spcBef>
+                        <a:spcAft>
+                          <a:spcPts val="0"/>
+                        </a:spcAft>
+                        <a:buClrTx/>
+                        <a:buSzTx/>
+                        <a:buFontTx/>
+                        <a:buNone/>
+                        <a:tabLst/>
+                        <a:defRPr/>
+                      </a:pPr>
+                      <a:r>
+                        <a:rPr lang="fr-FR" sz="1000" dirty="0" err="1"/>
+                        <a:t>product_id</a:t>
+                      </a:r>
+                      <a:endParaRPr lang="fr-FR" sz="1000" dirty="0"/>
+                    </a:p>
+                  </a:txBody>
+                  <a:tcPr anchor="ctr"/>
+                </a:tc>
+                <a:tc>
+                  <a:txBody>
+                    <a:bodyPr/>
+                    <a:lstStyle/>
+                    <a:p>
+                      <a:r>
+                        <a:rPr lang="fr-FR" sz="1000" dirty="0"/>
+                        <a:t>Int</a:t>
+                      </a:r>
+                    </a:p>
+                  </a:txBody>
+                  <a:tcPr anchor="ctr"/>
+                </a:tc>
+                <a:extLst>
+                  <a:ext uri="{0D108BD9-81ED-4DB2-BD59-A6C34878D82A}">
+                    <a16:rowId xmlns:a16="http://schemas.microsoft.com/office/drawing/2014/main" val="3534758075"/>
+                  </a:ext>
+                </a:extLst>
+              </a:tr>
+            </a:tbl>
+          </a:graphicData>
+        </a:graphic>
+      </p:graphicFrame>
+      <p:cxnSp>
+        <p:nvCxnSpPr>
+          <p:cNvPr id="15" name="Connecteur droit 14">
+            <a:extLst>
+              <a:ext uri="{FF2B5EF4-FFF2-40B4-BE49-F238E27FC236}">
+                <a16:creationId xmlns:a16="http://schemas.microsoft.com/office/drawing/2014/main" id="{9AB107ED-A238-9C21-BE99-6C33431C36C5}"/>
+              </a:ext>
+            </a:extLst>
+          </p:cNvPr>
+          <p:cNvCxnSpPr>
+            <a:cxnSpLocks/>
+            <a:stCxn id="2" idx="3"/>
+            <a:endCxn id="10" idx="1"/>
+          </p:cNvCxnSpPr>
+          <p:nvPr/>
+        </p:nvCxnSpPr>
+        <p:spPr>
+          <a:xfrm>
+            <a:off x="5107259" y="3140398"/>
+            <a:ext cx="774475" cy="779904"/>
+          </a:xfrm>
+          <a:prstGeom prst="line">
+            <a:avLst/>
+          </a:prstGeom>
+        </p:spPr>
+        <p:style>
+          <a:lnRef idx="1">
+            <a:schemeClr val="accent1"/>
+          </a:lnRef>
+          <a:fillRef idx="0">
+            <a:schemeClr val="accent1"/>
+          </a:fillRef>
+          <a:effectRef idx="0">
+            <a:schemeClr val="accent1"/>
+          </a:effectRef>
+          <a:fontRef idx="minor">
+            <a:schemeClr val="tx1"/>
+          </a:fontRef>
+        </p:style>
+      </p:cxnSp>
     </p:spTree>
     <p:extLst>
       <p:ext uri="{BB962C8B-B14F-4D97-AF65-F5344CB8AC3E}">
@@ -14249,7 +14222,7 @@
 </p:sld>
 </file>
 
-<file path=ppt/slides/slide8.xml><?xml version="1.0" encoding="utf-8"?>
+<file path=ppt/slides/slide7.xml><?xml version="1.0" encoding="utf-8"?>
 <p:sld xmlns:a="http://schemas.openxmlformats.org/drawingml/2006/main" xmlns:r="http://schemas.openxmlformats.org/officeDocument/2006/relationships" xmlns:p="http://schemas.openxmlformats.org/presentationml/2006/main">
   <p:cSld>
     <p:spTree>
